--- a/week_12_small_prj/lecture.pptx
+++ b/week_12_small_prj/lecture.pptx
@@ -37,9 +37,11 @@
     <p:sldId id="432" r:id="rId31"/>
     <p:sldId id="433" r:id="rId32"/>
     <p:sldId id="435" r:id="rId33"/>
-    <p:sldId id="434" r:id="rId34"/>
-    <p:sldId id="436" r:id="rId35"/>
-    <p:sldId id="437" r:id="rId36"/>
+    <p:sldId id="438" r:id="rId34"/>
+    <p:sldId id="439" r:id="rId35"/>
+    <p:sldId id="434" r:id="rId36"/>
+    <p:sldId id="436" r:id="rId37"/>
+    <p:sldId id="437" r:id="rId38"/>
   </p:sldIdLst>
   <p:sldSz cx="12192000" cy="6858000"/>
   <p:notesSz cx="6858000" cy="9144000"/>
@@ -7514,7 +7516,7 @@
           <p:cNvPr id="2" name="Заголовок 1">
             <a:extLst>
               <a:ext uri="{FF2B5EF4-FFF2-40B4-BE49-F238E27FC236}">
-                <a16:creationId xmlns:a16="http://schemas.microsoft.com/office/drawing/2014/main" id="{46A7A4FF-6B4E-8B9B-E0B2-89883DDE4BB3}"/>
+                <a16:creationId xmlns:a16="http://schemas.microsoft.com/office/drawing/2014/main" id="{CB4E1166-D858-15ED-7893-8BF7D0482FCA}"/>
               </a:ext>
             </a:extLst>
           </p:cNvPr>
@@ -7525,78 +7527,77 @@
             <p:ph type="title"/>
           </p:nvPr>
         </p:nvSpPr>
-        <p:spPr/>
-        <p:txBody>
-          <a:bodyPr/>
-          <a:lstStyle/>
-          <a:p>
-            <a:r>
-              <a:rPr lang="ru-RU" dirty="0"/>
-              <a:t>Добавьте тесты, которые проверяют правильность работы модели</a:t>
-            </a:r>
-          </a:p>
-        </p:txBody>
-      </p:sp>
-      <p:sp>
-        <p:nvSpPr>
-          <p:cNvPr id="3" name="Объект 2">
-            <a:extLst>
-              <a:ext uri="{FF2B5EF4-FFF2-40B4-BE49-F238E27FC236}">
-                <a16:creationId xmlns:a16="http://schemas.microsoft.com/office/drawing/2014/main" id="{969CFEE1-AD2F-B5EF-AECB-4F71F79DED65}"/>
-              </a:ext>
-            </a:extLst>
-          </p:cNvPr>
-          <p:cNvSpPr>
-            <a:spLocks noGrp="1"/>
-          </p:cNvSpPr>
-          <p:nvPr>
-            <p:ph idx="1"/>
-          </p:nvPr>
-        </p:nvSpPr>
-        <p:spPr/>
-        <p:txBody>
-          <a:bodyPr/>
-          <a:lstStyle/>
-          <a:p>
-            <a:r>
-              <a:rPr lang="ru-RU" dirty="0"/>
-              <a:t>Например, что на негативный текст она даст оценку ниже 0</a:t>
-            </a:r>
-            <a:endParaRPr lang="en-US" dirty="0"/>
-          </a:p>
-          <a:p>
-            <a:endParaRPr lang="en-US" dirty="0"/>
-          </a:p>
-          <a:p>
-            <a:r>
-              <a:rPr lang="ru-RU" dirty="0"/>
-              <a:t>Библиотека на Ваш вкус, советую начать с </a:t>
-            </a:r>
-            <a:r>
-              <a:rPr lang="en-US" dirty="0" err="1"/>
-              <a:t>pytest</a:t>
-            </a:r>
-            <a:r>
-              <a:rPr lang="en-US" dirty="0"/>
-              <a:t>. </a:t>
-            </a:r>
-            <a:r>
-              <a:rPr lang="en-US" dirty="0">
-                <a:hlinkClick r:id="rId2"/>
-              </a:rPr>
-              <a:t>https://docs.pytest.org/en/7.2.x/</a:t>
-            </a:r>
-            <a:r>
-              <a:rPr lang="en-US" dirty="0"/>
-              <a:t> </a:t>
-            </a:r>
-          </a:p>
-        </p:txBody>
-      </p:sp>
+        <p:spPr>
+          <a:xfrm>
+            <a:off x="1097280" y="286603"/>
+            <a:ext cx="10058400" cy="1450757"/>
+          </a:xfrm>
+        </p:spPr>
+        <p:txBody>
+          <a:bodyPr anchor="b">
+            <a:normAutofit/>
+          </a:bodyPr>
+          <a:lstStyle/>
+          <a:p>
+            <a:r>
+              <a:rPr lang="ru-RU" dirty="0"/>
+              <a:t>Тесты</a:t>
+            </a:r>
+          </a:p>
+        </p:txBody>
+      </p:sp>
+      <p:pic>
+        <p:nvPicPr>
+          <p:cNvPr id="6146" name="Picture 2" descr="Why invest in unit testing? - Digital Analytics blog">
+            <a:extLst>
+              <a:ext uri="{FF2B5EF4-FFF2-40B4-BE49-F238E27FC236}">
+                <a16:creationId xmlns:a16="http://schemas.microsoft.com/office/drawing/2014/main" id="{A4F5339F-EC80-4F23-9622-B3C1AFAA1289}"/>
+              </a:ext>
+            </a:extLst>
+          </p:cNvPr>
+          <p:cNvPicPr>
+            <a:picLocks noChangeAspect="1" noChangeArrowheads="1"/>
+          </p:cNvPicPr>
+          <p:nvPr/>
+        </p:nvPicPr>
+        <p:blipFill>
+          <a:blip r:embed="rId2">
+            <a:extLst>
+              <a:ext uri="{28A0092B-C50C-407E-A947-70E740481C1C}">
+                <a14:useLocalDpi xmlns:a14="http://schemas.microsoft.com/office/drawing/2010/main" val="0"/>
+              </a:ext>
+            </a:extLst>
+          </a:blip>
+          <a:stretch>
+            <a:fillRect/>
+          </a:stretch>
+        </p:blipFill>
+        <p:spPr bwMode="auto">
+          <a:xfrm>
+            <a:off x="2378573" y="2122055"/>
+            <a:ext cx="7434854" cy="4126344"/>
+          </a:xfrm>
+          <a:prstGeom prst="rect">
+            <a:avLst/>
+          </a:prstGeom>
+          <a:solidFill>
+            <a:srgbClr val="FFFFFF"/>
+          </a:solidFill>
+          <a:extLst>
+            <a:ext uri="{909E8E84-426E-40DD-AFC4-6F175D3DCCD1}">
+              <a14:hiddenFill xmlns:a14="http://schemas.microsoft.com/office/drawing/2010/main">
+                <a:solidFill>
+                  <a:srgbClr val="FFFFFF"/>
+                </a:solidFill>
+              </a14:hiddenFill>
+            </a:ext>
+          </a:extLst>
+        </p:spPr>
+      </p:pic>
     </p:spTree>
     <p:extLst>
       <p:ext uri="{BB962C8B-B14F-4D97-AF65-F5344CB8AC3E}">
-        <p14:creationId xmlns:p14="http://schemas.microsoft.com/office/powerpoint/2010/main" val="2901064560"/>
+        <p14:creationId xmlns:p14="http://schemas.microsoft.com/office/powerpoint/2010/main" val="4065691953"/>
       </p:ext>
     </p:extLst>
   </p:cSld>
@@ -7623,6 +7624,197 @@
           <a:chExt cx="0" cy="0"/>
         </a:xfrm>
       </p:grpSpPr>
+      <p:pic>
+        <p:nvPicPr>
+          <p:cNvPr id="7170" name="Picture 2" descr="What is Unit Testing? | Autify Blog">
+            <a:extLst>
+              <a:ext uri="{FF2B5EF4-FFF2-40B4-BE49-F238E27FC236}">
+                <a16:creationId xmlns:a16="http://schemas.microsoft.com/office/drawing/2014/main" id="{D9A469AF-3EF0-E5EE-E577-B62E8AB26C4D}"/>
+              </a:ext>
+            </a:extLst>
+          </p:cNvPr>
+          <p:cNvPicPr>
+            <a:picLocks noChangeAspect="1" noChangeArrowheads="1"/>
+          </p:cNvPicPr>
+          <p:nvPr/>
+        </p:nvPicPr>
+        <p:blipFill>
+          <a:blip r:embed="rId2">
+            <a:extLst>
+              <a:ext uri="{28A0092B-C50C-407E-A947-70E740481C1C}">
+                <a14:useLocalDpi xmlns:a14="http://schemas.microsoft.com/office/drawing/2010/main" val="0"/>
+              </a:ext>
+            </a:extLst>
+          </a:blip>
+          <a:srcRect/>
+          <a:stretch>
+            <a:fillRect/>
+          </a:stretch>
+        </p:blipFill>
+        <p:spPr bwMode="auto">
+          <a:xfrm>
+            <a:off x="1061749" y="124691"/>
+            <a:ext cx="10068502" cy="6203070"/>
+          </a:xfrm>
+          <a:prstGeom prst="rect">
+            <a:avLst/>
+          </a:prstGeom>
+          <a:noFill/>
+          <a:extLst>
+            <a:ext uri="{909E8E84-426E-40DD-AFC4-6F175D3DCCD1}">
+              <a14:hiddenFill xmlns:a14="http://schemas.microsoft.com/office/drawing/2010/main">
+                <a:solidFill>
+                  <a:srgbClr val="FFFFFF"/>
+                </a:solidFill>
+              </a14:hiddenFill>
+            </a:ext>
+          </a:extLst>
+        </p:spPr>
+      </p:pic>
+    </p:spTree>
+    <p:extLst>
+      <p:ext uri="{BB962C8B-B14F-4D97-AF65-F5344CB8AC3E}">
+        <p14:creationId xmlns:p14="http://schemas.microsoft.com/office/powerpoint/2010/main" val="3635379980"/>
+      </p:ext>
+    </p:extLst>
+  </p:cSld>
+  <p:clrMapOvr>
+    <a:masterClrMapping/>
+  </p:clrMapOvr>
+</p:sld>
+</file>
+
+<file path=ppt/slides/slide35.xml><?xml version="1.0" encoding="utf-8"?>
+<p:sld xmlns:a="http://schemas.openxmlformats.org/drawingml/2006/main" xmlns:r="http://schemas.openxmlformats.org/officeDocument/2006/relationships" xmlns:p="http://schemas.openxmlformats.org/presentationml/2006/main">
+  <p:cSld>
+    <p:spTree>
+      <p:nvGrpSpPr>
+        <p:cNvPr id="1" name=""/>
+        <p:cNvGrpSpPr/>
+        <p:nvPr/>
+      </p:nvGrpSpPr>
+      <p:grpSpPr>
+        <a:xfrm>
+          <a:off x="0" y="0"/>
+          <a:ext cx="0" cy="0"/>
+          <a:chOff x="0" y="0"/>
+          <a:chExt cx="0" cy="0"/>
+        </a:xfrm>
+      </p:grpSpPr>
+      <p:sp>
+        <p:nvSpPr>
+          <p:cNvPr id="2" name="Заголовок 1">
+            <a:extLst>
+              <a:ext uri="{FF2B5EF4-FFF2-40B4-BE49-F238E27FC236}">
+                <a16:creationId xmlns:a16="http://schemas.microsoft.com/office/drawing/2014/main" id="{46A7A4FF-6B4E-8B9B-E0B2-89883DDE4BB3}"/>
+              </a:ext>
+            </a:extLst>
+          </p:cNvPr>
+          <p:cNvSpPr>
+            <a:spLocks noGrp="1"/>
+          </p:cNvSpPr>
+          <p:nvPr>
+            <p:ph type="title"/>
+          </p:nvPr>
+        </p:nvSpPr>
+        <p:spPr/>
+        <p:txBody>
+          <a:bodyPr/>
+          <a:lstStyle/>
+          <a:p>
+            <a:r>
+              <a:rPr lang="ru-RU" dirty="0"/>
+              <a:t>Добавьте тесты, которые проверяют правильность работы модели</a:t>
+            </a:r>
+          </a:p>
+        </p:txBody>
+      </p:sp>
+      <p:sp>
+        <p:nvSpPr>
+          <p:cNvPr id="3" name="Объект 2">
+            <a:extLst>
+              <a:ext uri="{FF2B5EF4-FFF2-40B4-BE49-F238E27FC236}">
+                <a16:creationId xmlns:a16="http://schemas.microsoft.com/office/drawing/2014/main" id="{969CFEE1-AD2F-B5EF-AECB-4F71F79DED65}"/>
+              </a:ext>
+            </a:extLst>
+          </p:cNvPr>
+          <p:cNvSpPr>
+            <a:spLocks noGrp="1"/>
+          </p:cNvSpPr>
+          <p:nvPr>
+            <p:ph idx="1"/>
+          </p:nvPr>
+        </p:nvSpPr>
+        <p:spPr/>
+        <p:txBody>
+          <a:bodyPr/>
+          <a:lstStyle/>
+          <a:p>
+            <a:r>
+              <a:rPr lang="ru-RU" dirty="0"/>
+              <a:t>Например, что на негативный текст она даст оценку ниже 0</a:t>
+            </a:r>
+            <a:endParaRPr lang="en-US" dirty="0"/>
+          </a:p>
+          <a:p>
+            <a:endParaRPr lang="en-US" dirty="0"/>
+          </a:p>
+          <a:p>
+            <a:r>
+              <a:rPr lang="ru-RU" dirty="0"/>
+              <a:t>Библиотека на Ваш вкус, советую начать с </a:t>
+            </a:r>
+            <a:r>
+              <a:rPr lang="en-US" dirty="0" err="1"/>
+              <a:t>pytest</a:t>
+            </a:r>
+            <a:r>
+              <a:rPr lang="en-US" dirty="0"/>
+              <a:t>. </a:t>
+            </a:r>
+            <a:r>
+              <a:rPr lang="en-US" dirty="0">
+                <a:hlinkClick r:id="rId2"/>
+              </a:rPr>
+              <a:t>https://docs.pytest.org/en/7.2.x/</a:t>
+            </a:r>
+            <a:r>
+              <a:rPr lang="en-US" dirty="0"/>
+              <a:t> </a:t>
+            </a:r>
+          </a:p>
+        </p:txBody>
+      </p:sp>
+    </p:spTree>
+    <p:extLst>
+      <p:ext uri="{BB962C8B-B14F-4D97-AF65-F5344CB8AC3E}">
+        <p14:creationId xmlns:p14="http://schemas.microsoft.com/office/powerpoint/2010/main" val="2901064560"/>
+      </p:ext>
+    </p:extLst>
+  </p:cSld>
+  <p:clrMapOvr>
+    <a:masterClrMapping/>
+  </p:clrMapOvr>
+</p:sld>
+</file>
+
+<file path=ppt/slides/slide36.xml><?xml version="1.0" encoding="utf-8"?>
+<p:sld xmlns:a="http://schemas.openxmlformats.org/drawingml/2006/main" xmlns:r="http://schemas.openxmlformats.org/officeDocument/2006/relationships" xmlns:p="http://schemas.openxmlformats.org/presentationml/2006/main">
+  <p:cSld>
+    <p:spTree>
+      <p:nvGrpSpPr>
+        <p:cNvPr id="1" name=""/>
+        <p:cNvGrpSpPr/>
+        <p:nvPr/>
+      </p:nvGrpSpPr>
+      <p:grpSpPr>
+        <a:xfrm>
+          <a:off x="0" y="0"/>
+          <a:ext cx="0" cy="0"/>
+          <a:chOff x="0" y="0"/>
+          <a:chExt cx="0" cy="0"/>
+        </a:xfrm>
+      </p:grpSpPr>
       <p:sp>
         <p:nvSpPr>
           <p:cNvPr id="2" name="Заголовок 1">
@@ -7710,7 +7902,7 @@
 </p:sld>
 </file>
 
-<file path=ppt/slides/slide35.xml><?xml version="1.0" encoding="utf-8"?>
+<file path=ppt/slides/slide37.xml><?xml version="1.0" encoding="utf-8"?>
 <p:sld xmlns:a="http://schemas.openxmlformats.org/drawingml/2006/main" xmlns:r="http://schemas.openxmlformats.org/officeDocument/2006/relationships" xmlns:p="http://schemas.openxmlformats.org/presentationml/2006/main">
   <p:cSld>
     <p:spTree>
